--- a/DevOps setup chgeuer slides.pptx
+++ b/DevOps setup chgeuer slides.pptx
@@ -10,6 +10,9 @@
     <p:sldId id="259" r:id="rId4"/>
     <p:sldId id="257" r:id="rId5"/>
     <p:sldId id="260" r:id="rId6"/>
+    <p:sldId id="262" r:id="rId7"/>
+    <p:sldId id="263" r:id="rId8"/>
+    <p:sldId id="261" r:id="rId9"/>
   </p:sldIdLst>
   <p:sldSz cx="12192000" cy="6858000"/>
   <p:notesSz cx="6858000" cy="9144000"/>
@@ -247,7 +250,7 @@
           <a:p>
             <a:fld id="{7F42F8BE-6BCA-4B0E-B3C6-FC9CBB9737BF}" type="datetimeFigureOut">
               <a:rPr lang="de-DE" smtClean="0"/>
-              <a:t>19.10.2015</a:t>
+              <a:t>21.10.2015</a:t>
             </a:fld>
             <a:endParaRPr lang="de-DE"/>
           </a:p>
@@ -417,7 +420,7 @@
           <a:p>
             <a:fld id="{7F42F8BE-6BCA-4B0E-B3C6-FC9CBB9737BF}" type="datetimeFigureOut">
               <a:rPr lang="de-DE" smtClean="0"/>
-              <a:t>19.10.2015</a:t>
+              <a:t>21.10.2015</a:t>
             </a:fld>
             <a:endParaRPr lang="de-DE"/>
           </a:p>
@@ -597,7 +600,7 @@
           <a:p>
             <a:fld id="{7F42F8BE-6BCA-4B0E-B3C6-FC9CBB9737BF}" type="datetimeFigureOut">
               <a:rPr lang="de-DE" smtClean="0"/>
-              <a:t>19.10.2015</a:t>
+              <a:t>21.10.2015</a:t>
             </a:fld>
             <a:endParaRPr lang="de-DE"/>
           </a:p>
@@ -767,7 +770,7 @@
           <a:p>
             <a:fld id="{7F42F8BE-6BCA-4B0E-B3C6-FC9CBB9737BF}" type="datetimeFigureOut">
               <a:rPr lang="de-DE" smtClean="0"/>
-              <a:t>19.10.2015</a:t>
+              <a:t>21.10.2015</a:t>
             </a:fld>
             <a:endParaRPr lang="de-DE"/>
           </a:p>
@@ -1013,7 +1016,7 @@
           <a:p>
             <a:fld id="{7F42F8BE-6BCA-4B0E-B3C6-FC9CBB9737BF}" type="datetimeFigureOut">
               <a:rPr lang="de-DE" smtClean="0"/>
-              <a:t>19.10.2015</a:t>
+              <a:t>21.10.2015</a:t>
             </a:fld>
             <a:endParaRPr lang="de-DE"/>
           </a:p>
@@ -1245,7 +1248,7 @@
           <a:p>
             <a:fld id="{7F42F8BE-6BCA-4B0E-B3C6-FC9CBB9737BF}" type="datetimeFigureOut">
               <a:rPr lang="de-DE" smtClean="0"/>
-              <a:t>19.10.2015</a:t>
+              <a:t>21.10.2015</a:t>
             </a:fld>
             <a:endParaRPr lang="de-DE"/>
           </a:p>
@@ -1612,7 +1615,7 @@
           <a:p>
             <a:fld id="{7F42F8BE-6BCA-4B0E-B3C6-FC9CBB9737BF}" type="datetimeFigureOut">
               <a:rPr lang="de-DE" smtClean="0"/>
-              <a:t>19.10.2015</a:t>
+              <a:t>21.10.2015</a:t>
             </a:fld>
             <a:endParaRPr lang="de-DE"/>
           </a:p>
@@ -1730,7 +1733,7 @@
           <a:p>
             <a:fld id="{7F42F8BE-6BCA-4B0E-B3C6-FC9CBB9737BF}" type="datetimeFigureOut">
               <a:rPr lang="de-DE" smtClean="0"/>
-              <a:t>19.10.2015</a:t>
+              <a:t>21.10.2015</a:t>
             </a:fld>
             <a:endParaRPr lang="de-DE"/>
           </a:p>
@@ -1825,7 +1828,7 @@
           <a:p>
             <a:fld id="{7F42F8BE-6BCA-4B0E-B3C6-FC9CBB9737BF}" type="datetimeFigureOut">
               <a:rPr lang="de-DE" smtClean="0"/>
-              <a:t>19.10.2015</a:t>
+              <a:t>21.10.2015</a:t>
             </a:fld>
             <a:endParaRPr lang="de-DE"/>
           </a:p>
@@ -2102,7 +2105,7 @@
           <a:p>
             <a:fld id="{7F42F8BE-6BCA-4B0E-B3C6-FC9CBB9737BF}" type="datetimeFigureOut">
               <a:rPr lang="de-DE" smtClean="0"/>
-              <a:t>19.10.2015</a:t>
+              <a:t>21.10.2015</a:t>
             </a:fld>
             <a:endParaRPr lang="de-DE"/>
           </a:p>
@@ -2355,7 +2358,7 @@
           <a:p>
             <a:fld id="{7F42F8BE-6BCA-4B0E-B3C6-FC9CBB9737BF}" type="datetimeFigureOut">
               <a:rPr lang="de-DE" smtClean="0"/>
-              <a:t>19.10.2015</a:t>
+              <a:t>21.10.2015</a:t>
             </a:fld>
             <a:endParaRPr lang="de-DE"/>
           </a:p>
@@ -2568,7 +2571,7 @@
           <a:p>
             <a:fld id="{7F42F8BE-6BCA-4B0E-B3C6-FC9CBB9737BF}" type="datetimeFigureOut">
               <a:rPr lang="de-DE" smtClean="0"/>
-              <a:t>19.10.2015</a:t>
+              <a:t>21.10.2015</a:t>
             </a:fld>
             <a:endParaRPr lang="de-DE"/>
           </a:p>
@@ -3082,7 +3085,7 @@
       </p:sp>
       <p:pic>
         <p:nvPicPr>
-          <p:cNvPr id="5" name="Picture 4"/>
+          <p:cNvPr id="2" name="Picture 1"/>
           <p:cNvPicPr>
             <a:picLocks noChangeAspect="1"/>
           </p:cNvPicPr>
@@ -3096,8 +3099,8 @@
         </p:blipFill>
         <p:spPr>
           <a:xfrm>
-            <a:off x="1163781" y="1295088"/>
-            <a:ext cx="7990780" cy="5249517"/>
+            <a:off x="1280160" y="1064162"/>
+            <a:ext cx="9190896" cy="5734939"/>
           </a:xfrm>
           <a:prstGeom prst="rect">
             <a:avLst/>
@@ -3405,6 +3408,430 @@
     <p:extLst>
       <p:ext uri="{BB962C8B-B14F-4D97-AF65-F5344CB8AC3E}">
         <p14:creationId xmlns:p14="http://schemas.microsoft.com/office/powerpoint/2010/main" val="1677733137"/>
+      </p:ext>
+    </p:extLst>
+  </p:cSld>
+  <p:clrMapOvr>
+    <a:masterClrMapping/>
+  </p:clrMapOvr>
+  <p:timing>
+    <p:tnLst>
+      <p:par>
+        <p:cTn id="1" dur="indefinite" restart="never" nodeType="tmRoot"/>
+      </p:par>
+    </p:tnLst>
+  </p:timing>
+</p:sld>
+</file>
+
+<file path=ppt/slides/slide6.xml><?xml version="1.0" encoding="utf-8"?>
+<p:sld xmlns:a="http://schemas.openxmlformats.org/drawingml/2006/main" xmlns:r="http://schemas.openxmlformats.org/officeDocument/2006/relationships" xmlns:p="http://schemas.openxmlformats.org/presentationml/2006/main">
+  <p:cSld>
+    <p:spTree>
+      <p:nvGrpSpPr>
+        <p:cNvPr id="1" name=""/>
+        <p:cNvGrpSpPr/>
+        <p:nvPr/>
+      </p:nvGrpSpPr>
+      <p:grpSpPr>
+        <a:xfrm>
+          <a:off x="0" y="0"/>
+          <a:ext cx="0" cy="0"/>
+          <a:chOff x="0" y="0"/>
+          <a:chExt cx="0" cy="0"/>
+        </a:xfrm>
+      </p:grpSpPr>
+      <p:sp>
+        <p:nvSpPr>
+          <p:cNvPr id="2" name="Title 1"/>
+          <p:cNvSpPr>
+            <a:spLocks noGrp="1"/>
+          </p:cNvSpPr>
+          <p:nvPr>
+            <p:ph type="title"/>
+          </p:nvPr>
+        </p:nvSpPr>
+        <p:spPr/>
+        <p:txBody>
+          <a:bodyPr/>
+          <a:lstStyle/>
+          <a:p>
+            <a:endParaRPr lang="de-DE"/>
+          </a:p>
+        </p:txBody>
+      </p:sp>
+      <p:pic>
+        <p:nvPicPr>
+          <p:cNvPr id="3" name="Picture 2"/>
+          <p:cNvPicPr>
+            <a:picLocks noChangeAspect="1"/>
+          </p:cNvPicPr>
+          <p:nvPr/>
+        </p:nvPicPr>
+        <p:blipFill>
+          <a:blip r:embed="rId2"/>
+          <a:stretch>
+            <a:fillRect/>
+          </a:stretch>
+        </p:blipFill>
+        <p:spPr>
+          <a:xfrm>
+            <a:off x="376730" y="183886"/>
+            <a:ext cx="10657143" cy="6390476"/>
+          </a:xfrm>
+          <a:prstGeom prst="rect">
+            <a:avLst/>
+          </a:prstGeom>
+        </p:spPr>
+      </p:pic>
+      <p:sp>
+        <p:nvSpPr>
+          <p:cNvPr id="4" name="Rectangle 3"/>
+          <p:cNvSpPr/>
+          <p:nvPr/>
+        </p:nvSpPr>
+        <p:spPr>
+          <a:xfrm>
+            <a:off x="1280160" y="5569527"/>
+            <a:ext cx="9177251" cy="689957"/>
+          </a:xfrm>
+          <a:prstGeom prst="rect">
+            <a:avLst/>
+          </a:prstGeom>
+          <a:noFill/>
+          <a:ln w="76200">
+            <a:solidFill>
+              <a:srgbClr val="FF0000"/>
+            </a:solidFill>
+          </a:ln>
+        </p:spPr>
+        <p:style>
+          <a:lnRef idx="2">
+            <a:schemeClr val="accent1">
+              <a:shade val="50000"/>
+            </a:schemeClr>
+          </a:lnRef>
+          <a:fillRef idx="1">
+            <a:schemeClr val="accent1"/>
+          </a:fillRef>
+          <a:effectRef idx="0">
+            <a:schemeClr val="accent1"/>
+          </a:effectRef>
+          <a:fontRef idx="minor">
+            <a:schemeClr val="lt1"/>
+          </a:fontRef>
+        </p:style>
+        <p:txBody>
+          <a:bodyPr rtlCol="0" anchor="ctr"/>
+          <a:lstStyle/>
+          <a:p>
+            <a:pPr algn="ctr"/>
+            <a:endParaRPr lang="de-DE"/>
+          </a:p>
+        </p:txBody>
+      </p:sp>
+      <p:sp>
+        <p:nvSpPr>
+          <p:cNvPr id="5" name="Oval 4"/>
+          <p:cNvSpPr/>
+          <p:nvPr/>
+        </p:nvSpPr>
+        <p:spPr>
+          <a:xfrm>
+            <a:off x="2061555" y="431627"/>
+            <a:ext cx="897775" cy="532650"/>
+          </a:xfrm>
+          <a:prstGeom prst="ellipse">
+            <a:avLst/>
+          </a:prstGeom>
+          <a:noFill/>
+          <a:ln w="76200">
+            <a:solidFill>
+              <a:srgbClr val="FF0000"/>
+            </a:solidFill>
+          </a:ln>
+        </p:spPr>
+        <p:style>
+          <a:lnRef idx="2">
+            <a:schemeClr val="accent1">
+              <a:shade val="50000"/>
+            </a:schemeClr>
+          </a:lnRef>
+          <a:fillRef idx="1">
+            <a:schemeClr val="accent1"/>
+          </a:fillRef>
+          <a:effectRef idx="0">
+            <a:schemeClr val="accent1"/>
+          </a:effectRef>
+          <a:fontRef idx="minor">
+            <a:schemeClr val="lt1"/>
+          </a:fontRef>
+        </p:style>
+        <p:txBody>
+          <a:bodyPr rtlCol="0" anchor="ctr"/>
+          <a:lstStyle/>
+          <a:p>
+            <a:pPr algn="ctr"/>
+            <a:endParaRPr lang="de-DE"/>
+          </a:p>
+        </p:txBody>
+      </p:sp>
+    </p:spTree>
+    <p:extLst>
+      <p:ext uri="{BB962C8B-B14F-4D97-AF65-F5344CB8AC3E}">
+        <p14:creationId xmlns:p14="http://schemas.microsoft.com/office/powerpoint/2010/main" val="2096752583"/>
+      </p:ext>
+    </p:extLst>
+  </p:cSld>
+  <p:clrMapOvr>
+    <a:masterClrMapping/>
+  </p:clrMapOvr>
+  <p:timing>
+    <p:tnLst>
+      <p:par>
+        <p:cTn id="1" dur="indefinite" restart="never" nodeType="tmRoot"/>
+      </p:par>
+    </p:tnLst>
+  </p:timing>
+</p:sld>
+</file>
+
+<file path=ppt/slides/slide7.xml><?xml version="1.0" encoding="utf-8"?>
+<p:sld xmlns:a="http://schemas.openxmlformats.org/drawingml/2006/main" xmlns:r="http://schemas.openxmlformats.org/officeDocument/2006/relationships" xmlns:p="http://schemas.openxmlformats.org/presentationml/2006/main">
+  <p:cSld>
+    <p:spTree>
+      <p:nvGrpSpPr>
+        <p:cNvPr id="1" name=""/>
+        <p:cNvGrpSpPr/>
+        <p:nvPr/>
+      </p:nvGrpSpPr>
+      <p:grpSpPr>
+        <a:xfrm>
+          <a:off x="0" y="0"/>
+          <a:ext cx="0" cy="0"/>
+          <a:chOff x="0" y="0"/>
+          <a:chExt cx="0" cy="0"/>
+        </a:xfrm>
+      </p:grpSpPr>
+      <p:sp>
+        <p:nvSpPr>
+          <p:cNvPr id="2" name="Title 1"/>
+          <p:cNvSpPr>
+            <a:spLocks noGrp="1"/>
+          </p:cNvSpPr>
+          <p:nvPr>
+            <p:ph type="title"/>
+          </p:nvPr>
+        </p:nvSpPr>
+        <p:spPr/>
+        <p:txBody>
+          <a:bodyPr/>
+          <a:lstStyle/>
+          <a:p>
+            <a:endParaRPr lang="de-DE"/>
+          </a:p>
+        </p:txBody>
+      </p:sp>
+      <p:pic>
+        <p:nvPicPr>
+          <p:cNvPr id="3" name="Picture 2"/>
+          <p:cNvPicPr>
+            <a:picLocks noChangeAspect="1"/>
+          </p:cNvPicPr>
+          <p:nvPr/>
+        </p:nvPicPr>
+        <p:blipFill>
+          <a:blip r:embed="rId2"/>
+          <a:stretch>
+            <a:fillRect/>
+          </a:stretch>
+        </p:blipFill>
+        <p:spPr>
+          <a:xfrm>
+            <a:off x="1291936" y="112884"/>
+            <a:ext cx="9608127" cy="6826379"/>
+          </a:xfrm>
+          <a:prstGeom prst="rect">
+            <a:avLst/>
+          </a:prstGeom>
+        </p:spPr>
+      </p:pic>
+      <p:sp>
+        <p:nvSpPr>
+          <p:cNvPr id="4" name="Oval 3"/>
+          <p:cNvSpPr/>
+          <p:nvPr/>
+        </p:nvSpPr>
+        <p:spPr>
+          <a:xfrm>
+            <a:off x="2776450" y="365125"/>
+            <a:ext cx="897775" cy="532650"/>
+          </a:xfrm>
+          <a:prstGeom prst="ellipse">
+            <a:avLst/>
+          </a:prstGeom>
+          <a:noFill/>
+          <a:ln w="76200">
+            <a:solidFill>
+              <a:srgbClr val="FF0000"/>
+            </a:solidFill>
+          </a:ln>
+        </p:spPr>
+        <p:style>
+          <a:lnRef idx="2">
+            <a:schemeClr val="accent1">
+              <a:shade val="50000"/>
+            </a:schemeClr>
+          </a:lnRef>
+          <a:fillRef idx="1">
+            <a:schemeClr val="accent1"/>
+          </a:fillRef>
+          <a:effectRef idx="0">
+            <a:schemeClr val="accent1"/>
+          </a:effectRef>
+          <a:fontRef idx="minor">
+            <a:schemeClr val="lt1"/>
+          </a:fontRef>
+        </p:style>
+        <p:txBody>
+          <a:bodyPr rtlCol="0" anchor="ctr"/>
+          <a:lstStyle/>
+          <a:p>
+            <a:pPr algn="ctr"/>
+            <a:endParaRPr lang="de-DE"/>
+          </a:p>
+        </p:txBody>
+      </p:sp>
+      <p:sp>
+        <p:nvSpPr>
+          <p:cNvPr id="5" name="Rectangle 4"/>
+          <p:cNvSpPr/>
+          <p:nvPr/>
+        </p:nvSpPr>
+        <p:spPr>
+          <a:xfrm>
+            <a:off x="1928553" y="5569527"/>
+            <a:ext cx="8528858" cy="980902"/>
+          </a:xfrm>
+          <a:prstGeom prst="rect">
+            <a:avLst/>
+          </a:prstGeom>
+          <a:noFill/>
+          <a:ln w="76200">
+            <a:solidFill>
+              <a:srgbClr val="FF0000"/>
+            </a:solidFill>
+          </a:ln>
+        </p:spPr>
+        <p:style>
+          <a:lnRef idx="2">
+            <a:schemeClr val="accent1">
+              <a:shade val="50000"/>
+            </a:schemeClr>
+          </a:lnRef>
+          <a:fillRef idx="1">
+            <a:schemeClr val="accent1"/>
+          </a:fillRef>
+          <a:effectRef idx="0">
+            <a:schemeClr val="accent1"/>
+          </a:effectRef>
+          <a:fontRef idx="minor">
+            <a:schemeClr val="lt1"/>
+          </a:fontRef>
+        </p:style>
+        <p:txBody>
+          <a:bodyPr rtlCol="0" anchor="ctr"/>
+          <a:lstStyle/>
+          <a:p>
+            <a:pPr algn="ctr"/>
+            <a:endParaRPr lang="de-DE"/>
+          </a:p>
+        </p:txBody>
+      </p:sp>
+    </p:spTree>
+    <p:extLst>
+      <p:ext uri="{BB962C8B-B14F-4D97-AF65-F5344CB8AC3E}">
+        <p14:creationId xmlns:p14="http://schemas.microsoft.com/office/powerpoint/2010/main" val="2247467973"/>
+      </p:ext>
+    </p:extLst>
+  </p:cSld>
+  <p:clrMapOvr>
+    <a:masterClrMapping/>
+  </p:clrMapOvr>
+  <p:timing>
+    <p:tnLst>
+      <p:par>
+        <p:cTn id="1" dur="indefinite" restart="never" nodeType="tmRoot"/>
+      </p:par>
+    </p:tnLst>
+  </p:timing>
+</p:sld>
+</file>
+
+<file path=ppt/slides/slide8.xml><?xml version="1.0" encoding="utf-8"?>
+<p:sld xmlns:a="http://schemas.openxmlformats.org/drawingml/2006/main" xmlns:r="http://schemas.openxmlformats.org/officeDocument/2006/relationships" xmlns:p="http://schemas.openxmlformats.org/presentationml/2006/main">
+  <p:cSld>
+    <p:spTree>
+      <p:nvGrpSpPr>
+        <p:cNvPr id="1" name=""/>
+        <p:cNvGrpSpPr/>
+        <p:nvPr/>
+      </p:nvGrpSpPr>
+      <p:grpSpPr>
+        <a:xfrm>
+          <a:off x="0" y="0"/>
+          <a:ext cx="0" cy="0"/>
+          <a:chOff x="0" y="0"/>
+          <a:chExt cx="0" cy="0"/>
+        </a:xfrm>
+      </p:grpSpPr>
+      <p:sp>
+        <p:nvSpPr>
+          <p:cNvPr id="2" name="Title 1"/>
+          <p:cNvSpPr>
+            <a:spLocks noGrp="1"/>
+          </p:cNvSpPr>
+          <p:nvPr>
+            <p:ph type="title"/>
+          </p:nvPr>
+        </p:nvSpPr>
+        <p:spPr/>
+        <p:txBody>
+          <a:bodyPr/>
+          <a:lstStyle/>
+          <a:p>
+            <a:endParaRPr lang="de-DE"/>
+          </a:p>
+        </p:txBody>
+      </p:sp>
+      <p:pic>
+        <p:nvPicPr>
+          <p:cNvPr id="3" name="Picture 2"/>
+          <p:cNvPicPr>
+            <a:picLocks noChangeAspect="1"/>
+          </p:cNvPicPr>
+          <p:nvPr/>
+        </p:nvPicPr>
+        <p:blipFill>
+          <a:blip r:embed="rId2"/>
+          <a:stretch>
+            <a:fillRect/>
+          </a:stretch>
+        </p:blipFill>
+        <p:spPr>
+          <a:xfrm>
+            <a:off x="1253143" y="190905"/>
+            <a:ext cx="9685714" cy="6476190"/>
+          </a:xfrm>
+          <a:prstGeom prst="rect">
+            <a:avLst/>
+          </a:prstGeom>
+        </p:spPr>
+      </p:pic>
+    </p:spTree>
+    <p:extLst>
+      <p:ext uri="{BB962C8B-B14F-4D97-AF65-F5344CB8AC3E}">
+        <p14:creationId xmlns:p14="http://schemas.microsoft.com/office/powerpoint/2010/main" val="1341436185"/>
       </p:ext>
     </p:extLst>
   </p:cSld>
